--- a/scala-presentation.pptx
+++ b/scala-presentation.pptx
@@ -18,7 +18,8 @@
     <p:sldId id="266" r:id="rId12"/>
     <p:sldId id="267" r:id="rId13"/>
     <p:sldId id="271" r:id="rId14"/>
-    <p:sldId id="269" r:id="rId15"/>
+    <p:sldId id="272" r:id="rId15"/>
+    <p:sldId id="269" r:id="rId16"/>
   </p:sldIdLst>
   <p:sldSz cx="12192000" cy="6858000"/>
   <p:notesSz cx="6858000" cy="9144000"/>
@@ -3009,14 +3010,27 @@
             <p:ph type="subTitle" idx="1"/>
           </p:nvPr>
         </p:nvSpPr>
-        <p:spPr/>
+        <p:spPr>
+          <a:xfrm>
+            <a:off x="1524000" y="3602038"/>
+            <a:ext cx="9144000" cy="951489"/>
+          </a:xfrm>
+        </p:spPr>
         <p:txBody>
           <a:bodyPr/>
           <a:lstStyle/>
           <a:p>
+            <a:pPr algn="l"/>
             <a:r>
               <a:rPr lang="en-US" dirty="0"/>
-              <a:t>Yuriy Stul</a:t>
+              <a:t>Version: 1.0, November, 2016</a:t>
+            </a:r>
+          </a:p>
+          <a:p>
+            <a:pPr algn="l"/>
+            <a:r>
+              <a:rPr lang="en-US" dirty="0"/>
+              <a:t>Author: Yuriy Stul</a:t>
             </a:r>
           </a:p>
         </p:txBody>
@@ -5288,6 +5302,200 @@
 </file>
 
 <file path=ppt/slides/slide14.xml><?xml version="1.0" encoding="utf-8"?>
+<p:sld xmlns:a="http://schemas.openxmlformats.org/drawingml/2006/main" xmlns:r="http://schemas.openxmlformats.org/officeDocument/2006/relationships" xmlns:p="http://schemas.openxmlformats.org/presentationml/2006/main">
+  <p:cSld>
+    <p:spTree>
+      <p:nvGrpSpPr>
+        <p:cNvPr id="1" name=""/>
+        <p:cNvGrpSpPr/>
+        <p:nvPr/>
+      </p:nvGrpSpPr>
+      <p:grpSpPr>
+        <a:xfrm>
+          <a:off x="0" y="0"/>
+          <a:ext cx="0" cy="0"/>
+          <a:chOff x="0" y="0"/>
+          <a:chExt cx="0" cy="0"/>
+        </a:xfrm>
+      </p:grpSpPr>
+      <p:sp>
+        <p:nvSpPr>
+          <p:cNvPr id="2" name="Title 1"/>
+          <p:cNvSpPr>
+            <a:spLocks noGrp="1"/>
+          </p:cNvSpPr>
+          <p:nvPr>
+            <p:ph type="title"/>
+          </p:nvPr>
+        </p:nvSpPr>
+        <p:spPr/>
+        <p:txBody>
+          <a:bodyPr/>
+          <a:lstStyle/>
+          <a:p>
+            <a:r>
+              <a:rPr lang="en-US" dirty="0"/>
+              <a:t>Actor (</a:t>
+            </a:r>
+            <a:r>
+              <a:rPr lang="en-US" dirty="0" err="1"/>
+              <a:t>Akka</a:t>
+            </a:r>
+            <a:r>
+              <a:rPr lang="en-US" dirty="0"/>
+              <a:t>)</a:t>
+            </a:r>
+          </a:p>
+        </p:txBody>
+      </p:sp>
+      <p:sp>
+        <p:nvSpPr>
+          <p:cNvPr id="3" name="Content Placeholder 2"/>
+          <p:cNvSpPr>
+            <a:spLocks noGrp="1"/>
+          </p:cNvSpPr>
+          <p:nvPr>
+            <p:ph idx="1"/>
+          </p:nvPr>
+        </p:nvSpPr>
+        <p:spPr>
+          <a:xfrm>
+            <a:off x="838200" y="1560945"/>
+            <a:ext cx="10515600" cy="5126182"/>
+          </a:xfrm>
+        </p:spPr>
+        <p:txBody>
+          <a:bodyPr>
+            <a:normAutofit lnSpcReduction="10000"/>
+          </a:bodyPr>
+          <a:lstStyle/>
+          <a:p>
+            <a:r>
+              <a:rPr lang="en-US" dirty="0"/>
+              <a:t>Actor model</a:t>
+            </a:r>
+            <a:br>
+              <a:rPr lang="en-US" dirty="0"/>
+            </a:br>
+            <a:endParaRPr lang="en-US" dirty="0"/>
+          </a:p>
+          <a:p>
+            <a:endParaRPr lang="en-US" dirty="0"/>
+          </a:p>
+          <a:p>
+            <a:endParaRPr lang="en-US" dirty="0"/>
+          </a:p>
+          <a:p>
+            <a:endParaRPr lang="en-US" dirty="0"/>
+          </a:p>
+          <a:p>
+            <a:endParaRPr lang="en-US" dirty="0"/>
+          </a:p>
+          <a:p>
+            <a:endParaRPr lang="en-US" dirty="0"/>
+          </a:p>
+          <a:p>
+            <a:endParaRPr lang="en-US" dirty="0"/>
+          </a:p>
+          <a:p>
+            <a:endParaRPr lang="en-US" dirty="0"/>
+          </a:p>
+          <a:p>
+            <a:r>
+              <a:rPr lang="en-US" dirty="0"/>
+              <a:t>Code examples</a:t>
+            </a:r>
+          </a:p>
+          <a:p>
+            <a:pPr marL="0" indent="0">
+              <a:buNone/>
+            </a:pPr>
+            <a:r>
+              <a:rPr lang="en-US" dirty="0"/>
+              <a:t>See </a:t>
+            </a:r>
+            <a:r>
+              <a:rPr lang="en-US" dirty="0">
+                <a:hlinkClick r:id="rId2"/>
+              </a:rPr>
+              <a:t>Basics</a:t>
+            </a:r>
+            <a:endParaRPr lang="en-US" dirty="0"/>
+          </a:p>
+          <a:p>
+            <a:endParaRPr lang="en-US" dirty="0"/>
+          </a:p>
+        </p:txBody>
+      </p:sp>
+      <p:pic>
+        <p:nvPicPr>
+          <p:cNvPr id="5" name="Picture 4"/>
+          <p:cNvPicPr>
+            <a:picLocks noChangeAspect="1"/>
+          </p:cNvPicPr>
+          <p:nvPr/>
+        </p:nvPicPr>
+        <p:blipFill>
+          <a:blip r:embed="rId3"/>
+          <a:stretch>
+            <a:fillRect/>
+          </a:stretch>
+        </p:blipFill>
+        <p:spPr>
+          <a:xfrm>
+            <a:off x="828964" y="2321180"/>
+            <a:ext cx="3504600" cy="3378700"/>
+          </a:xfrm>
+          <a:prstGeom prst="rect">
+            <a:avLst/>
+          </a:prstGeom>
+        </p:spPr>
+      </p:pic>
+      <p:sp>
+        <p:nvSpPr>
+          <p:cNvPr id="6" name="Rectangle 5"/>
+          <p:cNvSpPr/>
+          <p:nvPr/>
+        </p:nvSpPr>
+        <p:spPr>
+          <a:xfrm>
+            <a:off x="4424218" y="2828836"/>
+            <a:ext cx="5172364" cy="923330"/>
+          </a:xfrm>
+          <a:prstGeom prst="rect">
+            <a:avLst/>
+          </a:prstGeom>
+        </p:spPr>
+        <p:txBody>
+          <a:bodyPr wrap="square">
+            <a:spAutoFit/>
+          </a:bodyPr>
+          <a:lstStyle/>
+          <a:p>
+            <a:r>
+              <a:rPr lang="en-US" dirty="0">
+                <a:latin typeface="BookAntiqua"/>
+              </a:rPr>
+              <a:t>In the Actor Model, all objects are modeled as independent, computational entities that only  respond to the messages received.</a:t>
+            </a:r>
+            <a:endParaRPr lang="en-US" dirty="0"/>
+          </a:p>
+        </p:txBody>
+      </p:sp>
+    </p:spTree>
+    <p:extLst>
+      <p:ext uri="{BB962C8B-B14F-4D97-AF65-F5344CB8AC3E}">
+        <p14:creationId xmlns:p14="http://schemas.microsoft.com/office/powerpoint/2010/main" val="359831037"/>
+      </p:ext>
+    </p:extLst>
+  </p:cSld>
+  <p:clrMapOvr>
+    <a:masterClrMapping/>
+  </p:clrMapOvr>
+</p:sld>
+</file>
+
+<file path=ppt/slides/slide15.xml><?xml version="1.0" encoding="utf-8"?>
 <p:sld xmlns:a="http://schemas.openxmlformats.org/drawingml/2006/main" xmlns:r="http://schemas.openxmlformats.org/officeDocument/2006/relationships" xmlns:p="http://schemas.openxmlformats.org/presentationml/2006/main">
   <p:cSld>
     <p:spTree>
